--- a/ppt 16-9/0436.家国情深.pptx
+++ b/ppt 16-9/0436.家国情深.pptx
@@ -5,7 +5,7 @@
     <p:sldMasterId id="2147483648" r:id="rId1"/>
   </p:sldMasterIdLst>
   <p:sldIdLst>
-    <p:sldId id="2924" r:id="rId2"/>
+    <p:sldId id="2925" r:id="rId2"/>
   </p:sldIdLst>
   <p:sldSz cx="12192000" cy="6858000"/>
   <p:notesSz cx="6858000" cy="9144000"/>
@@ -129,7 +129,7 @@
           <p:cNvPr id="2" name="标题 1">
             <a:extLst>
               <a:ext uri="{FF2B5EF4-FFF2-40B4-BE49-F238E27FC236}">
-                <a16:creationId xmlns:a16="http://schemas.microsoft.com/office/drawing/2014/main" id="{6CCCFFA2-0E4A-4013-E1CE-E5BF8CF8C343}"/>
+                <a16:creationId xmlns:a16="http://schemas.microsoft.com/office/drawing/2014/main" id="{40D0EB2E-08DA-F79A-06F8-7A5355F75ABD}"/>
               </a:ext>
             </a:extLst>
           </p:cNvPr>
@@ -166,7 +166,7 @@
           <p:cNvPr id="3" name="副标题 2">
             <a:extLst>
               <a:ext uri="{FF2B5EF4-FFF2-40B4-BE49-F238E27FC236}">
-                <a16:creationId xmlns:a16="http://schemas.microsoft.com/office/drawing/2014/main" id="{66B71530-9DFA-23AF-170D-E563ED9DF8EB}"/>
+                <a16:creationId xmlns:a16="http://schemas.microsoft.com/office/drawing/2014/main" id="{E3FD952D-AD73-7A64-9D02-CF12239BF9D2}"/>
               </a:ext>
             </a:extLst>
           </p:cNvPr>
@@ -236,7 +236,7 @@
           <p:cNvPr id="4" name="日期占位符 3">
             <a:extLst>
               <a:ext uri="{FF2B5EF4-FFF2-40B4-BE49-F238E27FC236}">
-                <a16:creationId xmlns:a16="http://schemas.microsoft.com/office/drawing/2014/main" id="{2556C115-3BE9-EF8F-19FB-503B638AEBA3}"/>
+                <a16:creationId xmlns:a16="http://schemas.microsoft.com/office/drawing/2014/main" id="{56D3F5A1-25E3-4F14-A3BE-127B5E42CFFB}"/>
               </a:ext>
             </a:extLst>
           </p:cNvPr>
@@ -252,7 +252,7 @@
           <a:bodyPr/>
           <a:lstStyle/>
           <a:p>
-            <a:fld id="{29D91FD3-CA84-4752-A845-41B06D6BD931}" type="datetimeFigureOut">
+            <a:fld id="{2FD312E3-CEBA-49BF-BFC4-52AF2A9DBA98}" type="datetimeFigureOut">
               <a:rPr lang="zh-CN" altLang="en-US" smtClean="0"/>
               <a:t>2024/3/10</a:t>
             </a:fld>
@@ -265,7 +265,7 @@
           <p:cNvPr id="5" name="页脚占位符 4">
             <a:extLst>
               <a:ext uri="{FF2B5EF4-FFF2-40B4-BE49-F238E27FC236}">
-                <a16:creationId xmlns:a16="http://schemas.microsoft.com/office/drawing/2014/main" id="{4AB3B8B7-A1AF-8AB7-D886-D2E1AEE68B1B}"/>
+                <a16:creationId xmlns:a16="http://schemas.microsoft.com/office/drawing/2014/main" id="{CB1FE937-67E4-8AF9-C577-8335A16770B4}"/>
               </a:ext>
             </a:extLst>
           </p:cNvPr>
@@ -290,7 +290,7 @@
           <p:cNvPr id="6" name="灯片编号占位符 5">
             <a:extLst>
               <a:ext uri="{FF2B5EF4-FFF2-40B4-BE49-F238E27FC236}">
-                <a16:creationId xmlns:a16="http://schemas.microsoft.com/office/drawing/2014/main" id="{4DA13400-45FD-1E59-058D-F19F97B93529}"/>
+                <a16:creationId xmlns:a16="http://schemas.microsoft.com/office/drawing/2014/main" id="{425AFFF0-C41B-9B40-023D-1F235BAC229C}"/>
               </a:ext>
             </a:extLst>
           </p:cNvPr>
@@ -306,7 +306,7 @@
           <a:bodyPr/>
           <a:lstStyle/>
           <a:p>
-            <a:fld id="{1D111FE8-63FA-4582-A9F6-D0CACA958AD8}" type="slidenum">
+            <a:fld id="{7F30568A-6F23-4018-9169-A71C0BB80A58}" type="slidenum">
               <a:rPr lang="zh-CN" altLang="en-US" smtClean="0"/>
               <a:t>‹#›</a:t>
             </a:fld>
@@ -317,7 +317,7 @@
     </p:spTree>
     <p:extLst>
       <p:ext uri="{BB962C8B-B14F-4D97-AF65-F5344CB8AC3E}">
-        <p14:creationId xmlns:p14="http://schemas.microsoft.com/office/powerpoint/2010/main" val="4138182817"/>
+        <p14:creationId xmlns:p14="http://schemas.microsoft.com/office/powerpoint/2010/main" val="1859858668"/>
       </p:ext>
     </p:extLst>
   </p:cSld>
@@ -349,7 +349,7 @@
           <p:cNvPr id="2" name="标题 1">
             <a:extLst>
               <a:ext uri="{FF2B5EF4-FFF2-40B4-BE49-F238E27FC236}">
-                <a16:creationId xmlns:a16="http://schemas.microsoft.com/office/drawing/2014/main" id="{6EE04679-6A53-ACF9-3D2A-B81CA21EB3A6}"/>
+                <a16:creationId xmlns:a16="http://schemas.microsoft.com/office/drawing/2014/main" id="{2F2AAC52-960B-9CEC-7D0A-5DD2A5653F0E}"/>
               </a:ext>
             </a:extLst>
           </p:cNvPr>
@@ -377,7 +377,7 @@
           <p:cNvPr id="3" name="竖排文字占位符 2">
             <a:extLst>
               <a:ext uri="{FF2B5EF4-FFF2-40B4-BE49-F238E27FC236}">
-                <a16:creationId xmlns:a16="http://schemas.microsoft.com/office/drawing/2014/main" id="{A79AB6B8-FF11-3316-9B00-ED8DC4333F2A}"/>
+                <a16:creationId xmlns:a16="http://schemas.microsoft.com/office/drawing/2014/main" id="{1AF0C917-240F-3F86-3F30-1493689E1B3C}"/>
               </a:ext>
             </a:extLst>
           </p:cNvPr>
@@ -434,7 +434,7 @@
           <p:cNvPr id="4" name="日期占位符 3">
             <a:extLst>
               <a:ext uri="{FF2B5EF4-FFF2-40B4-BE49-F238E27FC236}">
-                <a16:creationId xmlns:a16="http://schemas.microsoft.com/office/drawing/2014/main" id="{2CDD6481-0F8F-7D94-1844-43203FDE088A}"/>
+                <a16:creationId xmlns:a16="http://schemas.microsoft.com/office/drawing/2014/main" id="{776D5F7B-EF08-0C67-9A44-421F5A909B69}"/>
               </a:ext>
             </a:extLst>
           </p:cNvPr>
@@ -450,7 +450,7 @@
           <a:bodyPr/>
           <a:lstStyle/>
           <a:p>
-            <a:fld id="{29D91FD3-CA84-4752-A845-41B06D6BD931}" type="datetimeFigureOut">
+            <a:fld id="{2FD312E3-CEBA-49BF-BFC4-52AF2A9DBA98}" type="datetimeFigureOut">
               <a:rPr lang="zh-CN" altLang="en-US" smtClean="0"/>
               <a:t>2024/3/10</a:t>
             </a:fld>
@@ -463,7 +463,7 @@
           <p:cNvPr id="5" name="页脚占位符 4">
             <a:extLst>
               <a:ext uri="{FF2B5EF4-FFF2-40B4-BE49-F238E27FC236}">
-                <a16:creationId xmlns:a16="http://schemas.microsoft.com/office/drawing/2014/main" id="{EDDFEC7D-27F0-5D06-7B1D-C2C4DFF27A34}"/>
+                <a16:creationId xmlns:a16="http://schemas.microsoft.com/office/drawing/2014/main" id="{8E176A91-8BA1-3528-2BC4-472D8D68BA4E}"/>
               </a:ext>
             </a:extLst>
           </p:cNvPr>
@@ -488,7 +488,7 @@
           <p:cNvPr id="6" name="灯片编号占位符 5">
             <a:extLst>
               <a:ext uri="{FF2B5EF4-FFF2-40B4-BE49-F238E27FC236}">
-                <a16:creationId xmlns:a16="http://schemas.microsoft.com/office/drawing/2014/main" id="{B9410CAB-7BDD-8C2D-FCD6-DEFD56BE7FD6}"/>
+                <a16:creationId xmlns:a16="http://schemas.microsoft.com/office/drawing/2014/main" id="{5A64EEAC-B660-3333-8DEE-F0D28D626603}"/>
               </a:ext>
             </a:extLst>
           </p:cNvPr>
@@ -504,7 +504,7 @@
           <a:bodyPr/>
           <a:lstStyle/>
           <a:p>
-            <a:fld id="{1D111FE8-63FA-4582-A9F6-D0CACA958AD8}" type="slidenum">
+            <a:fld id="{7F30568A-6F23-4018-9169-A71C0BB80A58}" type="slidenum">
               <a:rPr lang="zh-CN" altLang="en-US" smtClean="0"/>
               <a:t>‹#›</a:t>
             </a:fld>
@@ -515,7 +515,7 @@
     </p:spTree>
     <p:extLst>
       <p:ext uri="{BB962C8B-B14F-4D97-AF65-F5344CB8AC3E}">
-        <p14:creationId xmlns:p14="http://schemas.microsoft.com/office/powerpoint/2010/main" val="2643302417"/>
+        <p14:creationId xmlns:p14="http://schemas.microsoft.com/office/powerpoint/2010/main" val="3981244736"/>
       </p:ext>
     </p:extLst>
   </p:cSld>
@@ -547,7 +547,7 @@
           <p:cNvPr id="2" name="竖排标题 1">
             <a:extLst>
               <a:ext uri="{FF2B5EF4-FFF2-40B4-BE49-F238E27FC236}">
-                <a16:creationId xmlns:a16="http://schemas.microsoft.com/office/drawing/2014/main" id="{6BDBE553-1450-34A9-5937-BEFECC85D10F}"/>
+                <a16:creationId xmlns:a16="http://schemas.microsoft.com/office/drawing/2014/main" id="{425972D3-C8DD-2351-21DF-CF10DDE9B301}"/>
               </a:ext>
             </a:extLst>
           </p:cNvPr>
@@ -580,7 +580,7 @@
           <p:cNvPr id="3" name="竖排文字占位符 2">
             <a:extLst>
               <a:ext uri="{FF2B5EF4-FFF2-40B4-BE49-F238E27FC236}">
-                <a16:creationId xmlns:a16="http://schemas.microsoft.com/office/drawing/2014/main" id="{DAB55256-7864-1C03-3465-84ADC69A24D5}"/>
+                <a16:creationId xmlns:a16="http://schemas.microsoft.com/office/drawing/2014/main" id="{9F7DFAAF-CC4A-BB46-EDE1-EA870F4ACBC9}"/>
               </a:ext>
             </a:extLst>
           </p:cNvPr>
@@ -642,7 +642,7 @@
           <p:cNvPr id="4" name="日期占位符 3">
             <a:extLst>
               <a:ext uri="{FF2B5EF4-FFF2-40B4-BE49-F238E27FC236}">
-                <a16:creationId xmlns:a16="http://schemas.microsoft.com/office/drawing/2014/main" id="{50A433B4-412C-4496-007E-9936B0E7BC49}"/>
+                <a16:creationId xmlns:a16="http://schemas.microsoft.com/office/drawing/2014/main" id="{4243574A-99F2-0C3F-D675-0C6FF243DF5B}"/>
               </a:ext>
             </a:extLst>
           </p:cNvPr>
@@ -658,7 +658,7 @@
           <a:bodyPr/>
           <a:lstStyle/>
           <a:p>
-            <a:fld id="{29D91FD3-CA84-4752-A845-41B06D6BD931}" type="datetimeFigureOut">
+            <a:fld id="{2FD312E3-CEBA-49BF-BFC4-52AF2A9DBA98}" type="datetimeFigureOut">
               <a:rPr lang="zh-CN" altLang="en-US" smtClean="0"/>
               <a:t>2024/3/10</a:t>
             </a:fld>
@@ -671,7 +671,7 @@
           <p:cNvPr id="5" name="页脚占位符 4">
             <a:extLst>
               <a:ext uri="{FF2B5EF4-FFF2-40B4-BE49-F238E27FC236}">
-                <a16:creationId xmlns:a16="http://schemas.microsoft.com/office/drawing/2014/main" id="{13ADCEC1-AE98-E59B-528A-50383DAC2B41}"/>
+                <a16:creationId xmlns:a16="http://schemas.microsoft.com/office/drawing/2014/main" id="{AAFFE958-4187-8468-3F2A-7C7B949D991E}"/>
               </a:ext>
             </a:extLst>
           </p:cNvPr>
@@ -696,7 +696,7 @@
           <p:cNvPr id="6" name="灯片编号占位符 5">
             <a:extLst>
               <a:ext uri="{FF2B5EF4-FFF2-40B4-BE49-F238E27FC236}">
-                <a16:creationId xmlns:a16="http://schemas.microsoft.com/office/drawing/2014/main" id="{5BC07943-0608-8740-1D3D-FAD11FD198B7}"/>
+                <a16:creationId xmlns:a16="http://schemas.microsoft.com/office/drawing/2014/main" id="{22E4A488-DFDB-2CE3-5D5C-1F589FA70D28}"/>
               </a:ext>
             </a:extLst>
           </p:cNvPr>
@@ -712,7 +712,7 @@
           <a:bodyPr/>
           <a:lstStyle/>
           <a:p>
-            <a:fld id="{1D111FE8-63FA-4582-A9F6-D0CACA958AD8}" type="slidenum">
+            <a:fld id="{7F30568A-6F23-4018-9169-A71C0BB80A58}" type="slidenum">
               <a:rPr lang="zh-CN" altLang="en-US" smtClean="0"/>
               <a:t>‹#›</a:t>
             </a:fld>
@@ -723,7 +723,7 @@
     </p:spTree>
     <p:extLst>
       <p:ext uri="{BB962C8B-B14F-4D97-AF65-F5344CB8AC3E}">
-        <p14:creationId xmlns:p14="http://schemas.microsoft.com/office/powerpoint/2010/main" val="601219969"/>
+        <p14:creationId xmlns:p14="http://schemas.microsoft.com/office/powerpoint/2010/main" val="1010227596"/>
       </p:ext>
     </p:extLst>
   </p:cSld>
@@ -755,7 +755,7 @@
           <p:cNvPr id="2" name="标题 1">
             <a:extLst>
               <a:ext uri="{FF2B5EF4-FFF2-40B4-BE49-F238E27FC236}">
-                <a16:creationId xmlns:a16="http://schemas.microsoft.com/office/drawing/2014/main" id="{8B4C1355-F404-F8C5-F823-41063A760E70}"/>
+                <a16:creationId xmlns:a16="http://schemas.microsoft.com/office/drawing/2014/main" id="{6D38BE15-4410-4B9B-0CD7-1B4F9DF50472}"/>
               </a:ext>
             </a:extLst>
           </p:cNvPr>
@@ -783,7 +783,7 @@
           <p:cNvPr id="3" name="内容占位符 2">
             <a:extLst>
               <a:ext uri="{FF2B5EF4-FFF2-40B4-BE49-F238E27FC236}">
-                <a16:creationId xmlns:a16="http://schemas.microsoft.com/office/drawing/2014/main" id="{D0D58132-091E-91CA-3439-38299400FEED}"/>
+                <a16:creationId xmlns:a16="http://schemas.microsoft.com/office/drawing/2014/main" id="{27E2AB4B-DF72-27F3-118E-2C7DC7AD09C5}"/>
               </a:ext>
             </a:extLst>
           </p:cNvPr>
@@ -840,7 +840,7 @@
           <p:cNvPr id="4" name="日期占位符 3">
             <a:extLst>
               <a:ext uri="{FF2B5EF4-FFF2-40B4-BE49-F238E27FC236}">
-                <a16:creationId xmlns:a16="http://schemas.microsoft.com/office/drawing/2014/main" id="{FC30AA18-4A9E-A4D7-D083-CD5F790DFFC1}"/>
+                <a16:creationId xmlns:a16="http://schemas.microsoft.com/office/drawing/2014/main" id="{5D40E17C-EC0C-62C8-983A-48F5B83DB634}"/>
               </a:ext>
             </a:extLst>
           </p:cNvPr>
@@ -856,7 +856,7 @@
           <a:bodyPr/>
           <a:lstStyle/>
           <a:p>
-            <a:fld id="{29D91FD3-CA84-4752-A845-41B06D6BD931}" type="datetimeFigureOut">
+            <a:fld id="{2FD312E3-CEBA-49BF-BFC4-52AF2A9DBA98}" type="datetimeFigureOut">
               <a:rPr lang="zh-CN" altLang="en-US" smtClean="0"/>
               <a:t>2024/3/10</a:t>
             </a:fld>
@@ -869,7 +869,7 @@
           <p:cNvPr id="5" name="页脚占位符 4">
             <a:extLst>
               <a:ext uri="{FF2B5EF4-FFF2-40B4-BE49-F238E27FC236}">
-                <a16:creationId xmlns:a16="http://schemas.microsoft.com/office/drawing/2014/main" id="{E136C23C-F258-C6A6-1611-3273E12E7339}"/>
+                <a16:creationId xmlns:a16="http://schemas.microsoft.com/office/drawing/2014/main" id="{33AF6FC5-7F2B-61DB-A3F9-FBCD8D67E06E}"/>
               </a:ext>
             </a:extLst>
           </p:cNvPr>
@@ -894,7 +894,7 @@
           <p:cNvPr id="6" name="灯片编号占位符 5">
             <a:extLst>
               <a:ext uri="{FF2B5EF4-FFF2-40B4-BE49-F238E27FC236}">
-                <a16:creationId xmlns:a16="http://schemas.microsoft.com/office/drawing/2014/main" id="{D457CF3F-7234-A433-8EA2-49C1FDDBF228}"/>
+                <a16:creationId xmlns:a16="http://schemas.microsoft.com/office/drawing/2014/main" id="{57901462-5492-A25C-836A-60764E726E9E}"/>
               </a:ext>
             </a:extLst>
           </p:cNvPr>
@@ -910,7 +910,7 @@
           <a:bodyPr/>
           <a:lstStyle/>
           <a:p>
-            <a:fld id="{1D111FE8-63FA-4582-A9F6-D0CACA958AD8}" type="slidenum">
+            <a:fld id="{7F30568A-6F23-4018-9169-A71C0BB80A58}" type="slidenum">
               <a:rPr lang="zh-CN" altLang="en-US" smtClean="0"/>
               <a:t>‹#›</a:t>
             </a:fld>
@@ -921,7 +921,7 @@
     </p:spTree>
     <p:extLst>
       <p:ext uri="{BB962C8B-B14F-4D97-AF65-F5344CB8AC3E}">
-        <p14:creationId xmlns:p14="http://schemas.microsoft.com/office/powerpoint/2010/main" val="3649620318"/>
+        <p14:creationId xmlns:p14="http://schemas.microsoft.com/office/powerpoint/2010/main" val="2127984924"/>
       </p:ext>
     </p:extLst>
   </p:cSld>
@@ -953,7 +953,7 @@
           <p:cNvPr id="2" name="标题 1">
             <a:extLst>
               <a:ext uri="{FF2B5EF4-FFF2-40B4-BE49-F238E27FC236}">
-                <a16:creationId xmlns:a16="http://schemas.microsoft.com/office/drawing/2014/main" id="{752788DF-809C-E7CC-F599-10F9CA3A9E82}"/>
+                <a16:creationId xmlns:a16="http://schemas.microsoft.com/office/drawing/2014/main" id="{79D2B6A8-A97B-8410-5984-DD3582F3B708}"/>
               </a:ext>
             </a:extLst>
           </p:cNvPr>
@@ -990,7 +990,7 @@
           <p:cNvPr id="3" name="文本占位符 2">
             <a:extLst>
               <a:ext uri="{FF2B5EF4-FFF2-40B4-BE49-F238E27FC236}">
-                <a16:creationId xmlns:a16="http://schemas.microsoft.com/office/drawing/2014/main" id="{06A1AC46-C339-B7D8-76F4-E50C8DFD3EA5}"/>
+                <a16:creationId xmlns:a16="http://schemas.microsoft.com/office/drawing/2014/main" id="{3B6DA239-6CBE-0171-957C-5A08957056F8}"/>
               </a:ext>
             </a:extLst>
           </p:cNvPr>
@@ -1115,7 +1115,7 @@
           <p:cNvPr id="4" name="日期占位符 3">
             <a:extLst>
               <a:ext uri="{FF2B5EF4-FFF2-40B4-BE49-F238E27FC236}">
-                <a16:creationId xmlns:a16="http://schemas.microsoft.com/office/drawing/2014/main" id="{B9860629-6836-09D3-B5AF-577E36FDCC89}"/>
+                <a16:creationId xmlns:a16="http://schemas.microsoft.com/office/drawing/2014/main" id="{46B34EDC-916A-6ED9-9852-04CFC23A99C1}"/>
               </a:ext>
             </a:extLst>
           </p:cNvPr>
@@ -1131,7 +1131,7 @@
           <a:bodyPr/>
           <a:lstStyle/>
           <a:p>
-            <a:fld id="{29D91FD3-CA84-4752-A845-41B06D6BD931}" type="datetimeFigureOut">
+            <a:fld id="{2FD312E3-CEBA-49BF-BFC4-52AF2A9DBA98}" type="datetimeFigureOut">
               <a:rPr lang="zh-CN" altLang="en-US" smtClean="0"/>
               <a:t>2024/3/10</a:t>
             </a:fld>
@@ -1144,7 +1144,7 @@
           <p:cNvPr id="5" name="页脚占位符 4">
             <a:extLst>
               <a:ext uri="{FF2B5EF4-FFF2-40B4-BE49-F238E27FC236}">
-                <a16:creationId xmlns:a16="http://schemas.microsoft.com/office/drawing/2014/main" id="{DB521E62-1632-4A02-AFCB-1A1DA38382F9}"/>
+                <a16:creationId xmlns:a16="http://schemas.microsoft.com/office/drawing/2014/main" id="{329288A1-7779-ACF9-3A42-FEAAC8D54686}"/>
               </a:ext>
             </a:extLst>
           </p:cNvPr>
@@ -1169,7 +1169,7 @@
           <p:cNvPr id="6" name="灯片编号占位符 5">
             <a:extLst>
               <a:ext uri="{FF2B5EF4-FFF2-40B4-BE49-F238E27FC236}">
-                <a16:creationId xmlns:a16="http://schemas.microsoft.com/office/drawing/2014/main" id="{95B3DFB4-116B-D535-79B8-29DE6B86CEE9}"/>
+                <a16:creationId xmlns:a16="http://schemas.microsoft.com/office/drawing/2014/main" id="{E08A5604-3141-06F1-BFF9-AF46C9D69F26}"/>
               </a:ext>
             </a:extLst>
           </p:cNvPr>
@@ -1185,7 +1185,7 @@
           <a:bodyPr/>
           <a:lstStyle/>
           <a:p>
-            <a:fld id="{1D111FE8-63FA-4582-A9F6-D0CACA958AD8}" type="slidenum">
+            <a:fld id="{7F30568A-6F23-4018-9169-A71C0BB80A58}" type="slidenum">
               <a:rPr lang="zh-CN" altLang="en-US" smtClean="0"/>
               <a:t>‹#›</a:t>
             </a:fld>
@@ -1196,7 +1196,7 @@
     </p:spTree>
     <p:extLst>
       <p:ext uri="{BB962C8B-B14F-4D97-AF65-F5344CB8AC3E}">
-        <p14:creationId xmlns:p14="http://schemas.microsoft.com/office/powerpoint/2010/main" val="1542536215"/>
+        <p14:creationId xmlns:p14="http://schemas.microsoft.com/office/powerpoint/2010/main" val="2919275012"/>
       </p:ext>
     </p:extLst>
   </p:cSld>
@@ -1228,7 +1228,7 @@
           <p:cNvPr id="2" name="标题 1">
             <a:extLst>
               <a:ext uri="{FF2B5EF4-FFF2-40B4-BE49-F238E27FC236}">
-                <a16:creationId xmlns:a16="http://schemas.microsoft.com/office/drawing/2014/main" id="{A37B86E6-994F-7A3B-3C62-217D39E5BCED}"/>
+                <a16:creationId xmlns:a16="http://schemas.microsoft.com/office/drawing/2014/main" id="{2E71464F-57F8-FA8C-F6A5-F5B04BAAE8A9}"/>
               </a:ext>
             </a:extLst>
           </p:cNvPr>
@@ -1256,7 +1256,7 @@
           <p:cNvPr id="3" name="内容占位符 2">
             <a:extLst>
               <a:ext uri="{FF2B5EF4-FFF2-40B4-BE49-F238E27FC236}">
-                <a16:creationId xmlns:a16="http://schemas.microsoft.com/office/drawing/2014/main" id="{7682F74D-01F8-5C9F-47C2-358C11D595FA}"/>
+                <a16:creationId xmlns:a16="http://schemas.microsoft.com/office/drawing/2014/main" id="{FF9126B2-C4B4-CF4B-5DD7-4328AEB26138}"/>
               </a:ext>
             </a:extLst>
           </p:cNvPr>
@@ -1318,7 +1318,7 @@
           <p:cNvPr id="4" name="内容占位符 3">
             <a:extLst>
               <a:ext uri="{FF2B5EF4-FFF2-40B4-BE49-F238E27FC236}">
-                <a16:creationId xmlns:a16="http://schemas.microsoft.com/office/drawing/2014/main" id="{5C8519F8-D42A-BE41-180E-6561AABADB1D}"/>
+                <a16:creationId xmlns:a16="http://schemas.microsoft.com/office/drawing/2014/main" id="{47DB07AD-5928-E435-68D6-70F8FAB91A40}"/>
               </a:ext>
             </a:extLst>
           </p:cNvPr>
@@ -1380,7 +1380,7 @@
           <p:cNvPr id="5" name="日期占位符 4">
             <a:extLst>
               <a:ext uri="{FF2B5EF4-FFF2-40B4-BE49-F238E27FC236}">
-                <a16:creationId xmlns:a16="http://schemas.microsoft.com/office/drawing/2014/main" id="{1729EE2F-31F4-BCD9-07D3-B9281C5AEE28}"/>
+                <a16:creationId xmlns:a16="http://schemas.microsoft.com/office/drawing/2014/main" id="{C4F69A9F-38CB-E8ED-0E0C-FE7121051AC9}"/>
               </a:ext>
             </a:extLst>
           </p:cNvPr>
@@ -1396,7 +1396,7 @@
           <a:bodyPr/>
           <a:lstStyle/>
           <a:p>
-            <a:fld id="{29D91FD3-CA84-4752-A845-41B06D6BD931}" type="datetimeFigureOut">
+            <a:fld id="{2FD312E3-CEBA-49BF-BFC4-52AF2A9DBA98}" type="datetimeFigureOut">
               <a:rPr lang="zh-CN" altLang="en-US" smtClean="0"/>
               <a:t>2024/3/10</a:t>
             </a:fld>
@@ -1409,7 +1409,7 @@
           <p:cNvPr id="6" name="页脚占位符 5">
             <a:extLst>
               <a:ext uri="{FF2B5EF4-FFF2-40B4-BE49-F238E27FC236}">
-                <a16:creationId xmlns:a16="http://schemas.microsoft.com/office/drawing/2014/main" id="{C9356B9B-756B-E875-93BD-D48A82C3FE62}"/>
+                <a16:creationId xmlns:a16="http://schemas.microsoft.com/office/drawing/2014/main" id="{5B0F7498-43B4-2D73-D525-13AEFF3CB73A}"/>
               </a:ext>
             </a:extLst>
           </p:cNvPr>
@@ -1434,7 +1434,7 @@
           <p:cNvPr id="7" name="灯片编号占位符 6">
             <a:extLst>
               <a:ext uri="{FF2B5EF4-FFF2-40B4-BE49-F238E27FC236}">
-                <a16:creationId xmlns:a16="http://schemas.microsoft.com/office/drawing/2014/main" id="{17F29BD6-FB77-B607-54D8-FA75380AF6E4}"/>
+                <a16:creationId xmlns:a16="http://schemas.microsoft.com/office/drawing/2014/main" id="{FDE41F2F-714A-ACC6-2243-A66F89005BB0}"/>
               </a:ext>
             </a:extLst>
           </p:cNvPr>
@@ -1450,7 +1450,7 @@
           <a:bodyPr/>
           <a:lstStyle/>
           <a:p>
-            <a:fld id="{1D111FE8-63FA-4582-A9F6-D0CACA958AD8}" type="slidenum">
+            <a:fld id="{7F30568A-6F23-4018-9169-A71C0BB80A58}" type="slidenum">
               <a:rPr lang="zh-CN" altLang="en-US" smtClean="0"/>
               <a:t>‹#›</a:t>
             </a:fld>
@@ -1461,7 +1461,7 @@
     </p:spTree>
     <p:extLst>
       <p:ext uri="{BB962C8B-B14F-4D97-AF65-F5344CB8AC3E}">
-        <p14:creationId xmlns:p14="http://schemas.microsoft.com/office/powerpoint/2010/main" val="1141386394"/>
+        <p14:creationId xmlns:p14="http://schemas.microsoft.com/office/powerpoint/2010/main" val="510553973"/>
       </p:ext>
     </p:extLst>
   </p:cSld>
@@ -1493,7 +1493,7 @@
           <p:cNvPr id="2" name="标题 1">
             <a:extLst>
               <a:ext uri="{FF2B5EF4-FFF2-40B4-BE49-F238E27FC236}">
-                <a16:creationId xmlns:a16="http://schemas.microsoft.com/office/drawing/2014/main" id="{5477032B-6093-1D9B-8325-851A3DEFE882}"/>
+                <a16:creationId xmlns:a16="http://schemas.microsoft.com/office/drawing/2014/main" id="{BDCD014F-94BA-6279-F6E3-71617032BA31}"/>
               </a:ext>
             </a:extLst>
           </p:cNvPr>
@@ -1526,7 +1526,7 @@
           <p:cNvPr id="3" name="文本占位符 2">
             <a:extLst>
               <a:ext uri="{FF2B5EF4-FFF2-40B4-BE49-F238E27FC236}">
-                <a16:creationId xmlns:a16="http://schemas.microsoft.com/office/drawing/2014/main" id="{10332951-879D-E178-FCC2-9BA2864905AD}"/>
+                <a16:creationId xmlns:a16="http://schemas.microsoft.com/office/drawing/2014/main" id="{82746EF1-5860-861F-86F7-6AF43981F6BA}"/>
               </a:ext>
             </a:extLst>
           </p:cNvPr>
@@ -1597,7 +1597,7 @@
           <p:cNvPr id="4" name="内容占位符 3">
             <a:extLst>
               <a:ext uri="{FF2B5EF4-FFF2-40B4-BE49-F238E27FC236}">
-                <a16:creationId xmlns:a16="http://schemas.microsoft.com/office/drawing/2014/main" id="{1D55B65C-9390-25D6-D9DA-5BF6AA93E05B}"/>
+                <a16:creationId xmlns:a16="http://schemas.microsoft.com/office/drawing/2014/main" id="{46924178-2977-931C-1141-C1262B8C4885}"/>
               </a:ext>
             </a:extLst>
           </p:cNvPr>
@@ -1659,7 +1659,7 @@
           <p:cNvPr id="5" name="文本占位符 4">
             <a:extLst>
               <a:ext uri="{FF2B5EF4-FFF2-40B4-BE49-F238E27FC236}">
-                <a16:creationId xmlns:a16="http://schemas.microsoft.com/office/drawing/2014/main" id="{767AB46B-15A7-ACA3-E52B-1B459E75F783}"/>
+                <a16:creationId xmlns:a16="http://schemas.microsoft.com/office/drawing/2014/main" id="{FD30F34C-3479-46BD-DDB6-B63294156ECB}"/>
               </a:ext>
             </a:extLst>
           </p:cNvPr>
@@ -1730,7 +1730,7 @@
           <p:cNvPr id="6" name="内容占位符 5">
             <a:extLst>
               <a:ext uri="{FF2B5EF4-FFF2-40B4-BE49-F238E27FC236}">
-                <a16:creationId xmlns:a16="http://schemas.microsoft.com/office/drawing/2014/main" id="{167C106F-A033-1F87-2A1C-B53A3B1C35DE}"/>
+                <a16:creationId xmlns:a16="http://schemas.microsoft.com/office/drawing/2014/main" id="{3034B897-C516-E175-5DA2-528C437C2938}"/>
               </a:ext>
             </a:extLst>
           </p:cNvPr>
@@ -1792,7 +1792,7 @@
           <p:cNvPr id="7" name="日期占位符 6">
             <a:extLst>
               <a:ext uri="{FF2B5EF4-FFF2-40B4-BE49-F238E27FC236}">
-                <a16:creationId xmlns:a16="http://schemas.microsoft.com/office/drawing/2014/main" id="{70BA8409-5482-4C12-100A-67A88E022622}"/>
+                <a16:creationId xmlns:a16="http://schemas.microsoft.com/office/drawing/2014/main" id="{5ABD36A5-FFC7-3AE7-CA6C-527AEC06E8D9}"/>
               </a:ext>
             </a:extLst>
           </p:cNvPr>
@@ -1808,7 +1808,7 @@
           <a:bodyPr/>
           <a:lstStyle/>
           <a:p>
-            <a:fld id="{29D91FD3-CA84-4752-A845-41B06D6BD931}" type="datetimeFigureOut">
+            <a:fld id="{2FD312E3-CEBA-49BF-BFC4-52AF2A9DBA98}" type="datetimeFigureOut">
               <a:rPr lang="zh-CN" altLang="en-US" smtClean="0"/>
               <a:t>2024/3/10</a:t>
             </a:fld>
@@ -1821,7 +1821,7 @@
           <p:cNvPr id="8" name="页脚占位符 7">
             <a:extLst>
               <a:ext uri="{FF2B5EF4-FFF2-40B4-BE49-F238E27FC236}">
-                <a16:creationId xmlns:a16="http://schemas.microsoft.com/office/drawing/2014/main" id="{5AC320D0-72C5-F66C-CB47-DAC080D864D8}"/>
+                <a16:creationId xmlns:a16="http://schemas.microsoft.com/office/drawing/2014/main" id="{8B957463-D6AB-973D-5096-F6E29B2857C0}"/>
               </a:ext>
             </a:extLst>
           </p:cNvPr>
@@ -1846,7 +1846,7 @@
           <p:cNvPr id="9" name="灯片编号占位符 8">
             <a:extLst>
               <a:ext uri="{FF2B5EF4-FFF2-40B4-BE49-F238E27FC236}">
-                <a16:creationId xmlns:a16="http://schemas.microsoft.com/office/drawing/2014/main" id="{4E11D6E5-06EA-52E3-8D2F-A72B1450FECD}"/>
+                <a16:creationId xmlns:a16="http://schemas.microsoft.com/office/drawing/2014/main" id="{D13BF82A-2097-705E-D130-9F0E48F5BC9B}"/>
               </a:ext>
             </a:extLst>
           </p:cNvPr>
@@ -1862,7 +1862,7 @@
           <a:bodyPr/>
           <a:lstStyle/>
           <a:p>
-            <a:fld id="{1D111FE8-63FA-4582-A9F6-D0CACA958AD8}" type="slidenum">
+            <a:fld id="{7F30568A-6F23-4018-9169-A71C0BB80A58}" type="slidenum">
               <a:rPr lang="zh-CN" altLang="en-US" smtClean="0"/>
               <a:t>‹#›</a:t>
             </a:fld>
@@ -1873,7 +1873,7 @@
     </p:spTree>
     <p:extLst>
       <p:ext uri="{BB962C8B-B14F-4D97-AF65-F5344CB8AC3E}">
-        <p14:creationId xmlns:p14="http://schemas.microsoft.com/office/powerpoint/2010/main" val="449770227"/>
+        <p14:creationId xmlns:p14="http://schemas.microsoft.com/office/powerpoint/2010/main" val="2225423251"/>
       </p:ext>
     </p:extLst>
   </p:cSld>
@@ -1905,7 +1905,7 @@
           <p:cNvPr id="2" name="标题 1">
             <a:extLst>
               <a:ext uri="{FF2B5EF4-FFF2-40B4-BE49-F238E27FC236}">
-                <a16:creationId xmlns:a16="http://schemas.microsoft.com/office/drawing/2014/main" id="{1CEE2AA5-5D38-3549-27ED-77DCC624DC9A}"/>
+                <a16:creationId xmlns:a16="http://schemas.microsoft.com/office/drawing/2014/main" id="{FB9776AA-0786-3B62-A147-DD093CFD36AF}"/>
               </a:ext>
             </a:extLst>
           </p:cNvPr>
@@ -1933,7 +1933,7 @@
           <p:cNvPr id="3" name="日期占位符 2">
             <a:extLst>
               <a:ext uri="{FF2B5EF4-FFF2-40B4-BE49-F238E27FC236}">
-                <a16:creationId xmlns:a16="http://schemas.microsoft.com/office/drawing/2014/main" id="{1C07DD83-D026-72CE-0814-0265402FE244}"/>
+                <a16:creationId xmlns:a16="http://schemas.microsoft.com/office/drawing/2014/main" id="{F05350C1-B3C5-8A05-6736-FB88603ECF13}"/>
               </a:ext>
             </a:extLst>
           </p:cNvPr>
@@ -1949,7 +1949,7 @@
           <a:bodyPr/>
           <a:lstStyle/>
           <a:p>
-            <a:fld id="{29D91FD3-CA84-4752-A845-41B06D6BD931}" type="datetimeFigureOut">
+            <a:fld id="{2FD312E3-CEBA-49BF-BFC4-52AF2A9DBA98}" type="datetimeFigureOut">
               <a:rPr lang="zh-CN" altLang="en-US" smtClean="0"/>
               <a:t>2024/3/10</a:t>
             </a:fld>
@@ -1962,7 +1962,7 @@
           <p:cNvPr id="4" name="页脚占位符 3">
             <a:extLst>
               <a:ext uri="{FF2B5EF4-FFF2-40B4-BE49-F238E27FC236}">
-                <a16:creationId xmlns:a16="http://schemas.microsoft.com/office/drawing/2014/main" id="{D98085DE-F4C9-A49A-FCE7-988A1FE98AA0}"/>
+                <a16:creationId xmlns:a16="http://schemas.microsoft.com/office/drawing/2014/main" id="{519BDFE0-054A-E823-8B18-77077280612D}"/>
               </a:ext>
             </a:extLst>
           </p:cNvPr>
@@ -1987,7 +1987,7 @@
           <p:cNvPr id="5" name="灯片编号占位符 4">
             <a:extLst>
               <a:ext uri="{FF2B5EF4-FFF2-40B4-BE49-F238E27FC236}">
-                <a16:creationId xmlns:a16="http://schemas.microsoft.com/office/drawing/2014/main" id="{011594D5-4E19-4834-8F5C-A27624BA70C2}"/>
+                <a16:creationId xmlns:a16="http://schemas.microsoft.com/office/drawing/2014/main" id="{7D57D0EA-DCE6-4F07-CC24-50B118F9F788}"/>
               </a:ext>
             </a:extLst>
           </p:cNvPr>
@@ -2003,7 +2003,7 @@
           <a:bodyPr/>
           <a:lstStyle/>
           <a:p>
-            <a:fld id="{1D111FE8-63FA-4582-A9F6-D0CACA958AD8}" type="slidenum">
+            <a:fld id="{7F30568A-6F23-4018-9169-A71C0BB80A58}" type="slidenum">
               <a:rPr lang="zh-CN" altLang="en-US" smtClean="0"/>
               <a:t>‹#›</a:t>
             </a:fld>
@@ -2014,7 +2014,7 @@
     </p:spTree>
     <p:extLst>
       <p:ext uri="{BB962C8B-B14F-4D97-AF65-F5344CB8AC3E}">
-        <p14:creationId xmlns:p14="http://schemas.microsoft.com/office/powerpoint/2010/main" val="308949965"/>
+        <p14:creationId xmlns:p14="http://schemas.microsoft.com/office/powerpoint/2010/main" val="4136478273"/>
       </p:ext>
     </p:extLst>
   </p:cSld>
@@ -2046,7 +2046,7 @@
           <p:cNvPr id="2" name="日期占位符 1">
             <a:extLst>
               <a:ext uri="{FF2B5EF4-FFF2-40B4-BE49-F238E27FC236}">
-                <a16:creationId xmlns:a16="http://schemas.microsoft.com/office/drawing/2014/main" id="{A716BB32-62D8-39C2-7A55-F2CB96FFDE49}"/>
+                <a16:creationId xmlns:a16="http://schemas.microsoft.com/office/drawing/2014/main" id="{83AD7925-CF71-2351-0942-6E781ADC7588}"/>
               </a:ext>
             </a:extLst>
           </p:cNvPr>
@@ -2062,7 +2062,7 @@
           <a:bodyPr/>
           <a:lstStyle/>
           <a:p>
-            <a:fld id="{29D91FD3-CA84-4752-A845-41B06D6BD931}" type="datetimeFigureOut">
+            <a:fld id="{2FD312E3-CEBA-49BF-BFC4-52AF2A9DBA98}" type="datetimeFigureOut">
               <a:rPr lang="zh-CN" altLang="en-US" smtClean="0"/>
               <a:t>2024/3/10</a:t>
             </a:fld>
@@ -2075,7 +2075,7 @@
           <p:cNvPr id="3" name="页脚占位符 2">
             <a:extLst>
               <a:ext uri="{FF2B5EF4-FFF2-40B4-BE49-F238E27FC236}">
-                <a16:creationId xmlns:a16="http://schemas.microsoft.com/office/drawing/2014/main" id="{972F748A-5DC0-4E6B-DF5E-F200589C2A9F}"/>
+                <a16:creationId xmlns:a16="http://schemas.microsoft.com/office/drawing/2014/main" id="{9B173002-838F-A5E9-F533-4E1F5CBFD10E}"/>
               </a:ext>
             </a:extLst>
           </p:cNvPr>
@@ -2100,7 +2100,7 @@
           <p:cNvPr id="4" name="灯片编号占位符 3">
             <a:extLst>
               <a:ext uri="{FF2B5EF4-FFF2-40B4-BE49-F238E27FC236}">
-                <a16:creationId xmlns:a16="http://schemas.microsoft.com/office/drawing/2014/main" id="{3CC3F55F-2724-69A7-E664-F2E460D1E93F}"/>
+                <a16:creationId xmlns:a16="http://schemas.microsoft.com/office/drawing/2014/main" id="{AE2D3299-A25D-76B8-0B28-6406CE1DF320}"/>
               </a:ext>
             </a:extLst>
           </p:cNvPr>
@@ -2116,7 +2116,7 @@
           <a:bodyPr/>
           <a:lstStyle/>
           <a:p>
-            <a:fld id="{1D111FE8-63FA-4582-A9F6-D0CACA958AD8}" type="slidenum">
+            <a:fld id="{7F30568A-6F23-4018-9169-A71C0BB80A58}" type="slidenum">
               <a:rPr lang="zh-CN" altLang="en-US" smtClean="0"/>
               <a:t>‹#›</a:t>
             </a:fld>
@@ -2127,7 +2127,7 @@
     </p:spTree>
     <p:extLst>
       <p:ext uri="{BB962C8B-B14F-4D97-AF65-F5344CB8AC3E}">
-        <p14:creationId xmlns:p14="http://schemas.microsoft.com/office/powerpoint/2010/main" val="2379401278"/>
+        <p14:creationId xmlns:p14="http://schemas.microsoft.com/office/powerpoint/2010/main" val="1975098603"/>
       </p:ext>
     </p:extLst>
   </p:cSld>
@@ -2159,7 +2159,7 @@
           <p:cNvPr id="2" name="标题 1">
             <a:extLst>
               <a:ext uri="{FF2B5EF4-FFF2-40B4-BE49-F238E27FC236}">
-                <a16:creationId xmlns:a16="http://schemas.microsoft.com/office/drawing/2014/main" id="{8287341D-4159-6D4B-015E-3736386644AE}"/>
+                <a16:creationId xmlns:a16="http://schemas.microsoft.com/office/drawing/2014/main" id="{E0EFE921-E6C9-8A9E-F800-6155984A88D6}"/>
               </a:ext>
             </a:extLst>
           </p:cNvPr>
@@ -2196,7 +2196,7 @@
           <p:cNvPr id="3" name="内容占位符 2">
             <a:extLst>
               <a:ext uri="{FF2B5EF4-FFF2-40B4-BE49-F238E27FC236}">
-                <a16:creationId xmlns:a16="http://schemas.microsoft.com/office/drawing/2014/main" id="{CCB537BE-9EA1-3028-89CF-53D34E5473E9}"/>
+                <a16:creationId xmlns:a16="http://schemas.microsoft.com/office/drawing/2014/main" id="{BF7A452F-8181-44DC-1A14-5C8B236F3FEA}"/>
               </a:ext>
             </a:extLst>
           </p:cNvPr>
@@ -2286,7 +2286,7 @@
           <p:cNvPr id="4" name="文本占位符 3">
             <a:extLst>
               <a:ext uri="{FF2B5EF4-FFF2-40B4-BE49-F238E27FC236}">
-                <a16:creationId xmlns:a16="http://schemas.microsoft.com/office/drawing/2014/main" id="{29B93584-CE02-C925-9659-4F71E73C69A2}"/>
+                <a16:creationId xmlns:a16="http://schemas.microsoft.com/office/drawing/2014/main" id="{4EB77C96-0375-F153-F6F7-5F7AFF2BB17F}"/>
               </a:ext>
             </a:extLst>
           </p:cNvPr>
@@ -2357,7 +2357,7 @@
           <p:cNvPr id="5" name="日期占位符 4">
             <a:extLst>
               <a:ext uri="{FF2B5EF4-FFF2-40B4-BE49-F238E27FC236}">
-                <a16:creationId xmlns:a16="http://schemas.microsoft.com/office/drawing/2014/main" id="{EFC76444-2FCD-0FAD-B7A3-F7C1079BB92A}"/>
+                <a16:creationId xmlns:a16="http://schemas.microsoft.com/office/drawing/2014/main" id="{72E72A9A-B55F-ED05-EE22-CD8AA4C995DE}"/>
               </a:ext>
             </a:extLst>
           </p:cNvPr>
@@ -2373,7 +2373,7 @@
           <a:bodyPr/>
           <a:lstStyle/>
           <a:p>
-            <a:fld id="{29D91FD3-CA84-4752-A845-41B06D6BD931}" type="datetimeFigureOut">
+            <a:fld id="{2FD312E3-CEBA-49BF-BFC4-52AF2A9DBA98}" type="datetimeFigureOut">
               <a:rPr lang="zh-CN" altLang="en-US" smtClean="0"/>
               <a:t>2024/3/10</a:t>
             </a:fld>
@@ -2386,7 +2386,7 @@
           <p:cNvPr id="6" name="页脚占位符 5">
             <a:extLst>
               <a:ext uri="{FF2B5EF4-FFF2-40B4-BE49-F238E27FC236}">
-                <a16:creationId xmlns:a16="http://schemas.microsoft.com/office/drawing/2014/main" id="{E97EDF8F-3435-7AE2-9A8E-0D5E527225F8}"/>
+                <a16:creationId xmlns:a16="http://schemas.microsoft.com/office/drawing/2014/main" id="{DE0E3883-E71F-0C4B-032F-DD872F84F2CB}"/>
               </a:ext>
             </a:extLst>
           </p:cNvPr>
@@ -2411,7 +2411,7 @@
           <p:cNvPr id="7" name="灯片编号占位符 6">
             <a:extLst>
               <a:ext uri="{FF2B5EF4-FFF2-40B4-BE49-F238E27FC236}">
-                <a16:creationId xmlns:a16="http://schemas.microsoft.com/office/drawing/2014/main" id="{01CFD0E9-2CD8-1950-E68E-47E8B922E913}"/>
+                <a16:creationId xmlns:a16="http://schemas.microsoft.com/office/drawing/2014/main" id="{2756CB2E-2883-D45F-FD24-BA9A451C3389}"/>
               </a:ext>
             </a:extLst>
           </p:cNvPr>
@@ -2427,7 +2427,7 @@
           <a:bodyPr/>
           <a:lstStyle/>
           <a:p>
-            <a:fld id="{1D111FE8-63FA-4582-A9F6-D0CACA958AD8}" type="slidenum">
+            <a:fld id="{7F30568A-6F23-4018-9169-A71C0BB80A58}" type="slidenum">
               <a:rPr lang="zh-CN" altLang="en-US" smtClean="0"/>
               <a:t>‹#›</a:t>
             </a:fld>
@@ -2438,7 +2438,7 @@
     </p:spTree>
     <p:extLst>
       <p:ext uri="{BB962C8B-B14F-4D97-AF65-F5344CB8AC3E}">
-        <p14:creationId xmlns:p14="http://schemas.microsoft.com/office/powerpoint/2010/main" val="2776625283"/>
+        <p14:creationId xmlns:p14="http://schemas.microsoft.com/office/powerpoint/2010/main" val="877072981"/>
       </p:ext>
     </p:extLst>
   </p:cSld>
@@ -2470,7 +2470,7 @@
           <p:cNvPr id="2" name="标题 1">
             <a:extLst>
               <a:ext uri="{FF2B5EF4-FFF2-40B4-BE49-F238E27FC236}">
-                <a16:creationId xmlns:a16="http://schemas.microsoft.com/office/drawing/2014/main" id="{04810E29-8A62-C60E-E337-A3AB2980655B}"/>
+                <a16:creationId xmlns:a16="http://schemas.microsoft.com/office/drawing/2014/main" id="{2FBDF3BB-F2FA-E2F2-648D-52BA15A3F4FE}"/>
               </a:ext>
             </a:extLst>
           </p:cNvPr>
@@ -2507,7 +2507,7 @@
           <p:cNvPr id="3" name="图片占位符 2">
             <a:extLst>
               <a:ext uri="{FF2B5EF4-FFF2-40B4-BE49-F238E27FC236}">
-                <a16:creationId xmlns:a16="http://schemas.microsoft.com/office/drawing/2014/main" id="{C0B5F4EF-8EC3-6683-A41E-85EB32AC90C1}"/>
+                <a16:creationId xmlns:a16="http://schemas.microsoft.com/office/drawing/2014/main" id="{8E3F9B4C-2AF2-93C6-24A5-17EEB19DA889}"/>
               </a:ext>
             </a:extLst>
           </p:cNvPr>
@@ -2574,7 +2574,7 @@
           <p:cNvPr id="4" name="文本占位符 3">
             <a:extLst>
               <a:ext uri="{FF2B5EF4-FFF2-40B4-BE49-F238E27FC236}">
-                <a16:creationId xmlns:a16="http://schemas.microsoft.com/office/drawing/2014/main" id="{7BD4A14A-9424-176A-64A8-5A06F173D08D}"/>
+                <a16:creationId xmlns:a16="http://schemas.microsoft.com/office/drawing/2014/main" id="{50FB584B-FC79-407A-E72D-C9721E682AF5}"/>
               </a:ext>
             </a:extLst>
           </p:cNvPr>
@@ -2645,7 +2645,7 @@
           <p:cNvPr id="5" name="日期占位符 4">
             <a:extLst>
               <a:ext uri="{FF2B5EF4-FFF2-40B4-BE49-F238E27FC236}">
-                <a16:creationId xmlns:a16="http://schemas.microsoft.com/office/drawing/2014/main" id="{436631A3-3CEC-630C-AA31-3D455C6338CD}"/>
+                <a16:creationId xmlns:a16="http://schemas.microsoft.com/office/drawing/2014/main" id="{FFF1F50E-12AC-721B-E1BD-071880ECE535}"/>
               </a:ext>
             </a:extLst>
           </p:cNvPr>
@@ -2661,7 +2661,7 @@
           <a:bodyPr/>
           <a:lstStyle/>
           <a:p>
-            <a:fld id="{29D91FD3-CA84-4752-A845-41B06D6BD931}" type="datetimeFigureOut">
+            <a:fld id="{2FD312E3-CEBA-49BF-BFC4-52AF2A9DBA98}" type="datetimeFigureOut">
               <a:rPr lang="zh-CN" altLang="en-US" smtClean="0"/>
               <a:t>2024/3/10</a:t>
             </a:fld>
@@ -2674,7 +2674,7 @@
           <p:cNvPr id="6" name="页脚占位符 5">
             <a:extLst>
               <a:ext uri="{FF2B5EF4-FFF2-40B4-BE49-F238E27FC236}">
-                <a16:creationId xmlns:a16="http://schemas.microsoft.com/office/drawing/2014/main" id="{79BD81B8-144B-556B-4957-5A8F6FDA2275}"/>
+                <a16:creationId xmlns:a16="http://schemas.microsoft.com/office/drawing/2014/main" id="{BB4CF641-638C-31C0-6C7A-53ACF8A78B10}"/>
               </a:ext>
             </a:extLst>
           </p:cNvPr>
@@ -2699,7 +2699,7 @@
           <p:cNvPr id="7" name="灯片编号占位符 6">
             <a:extLst>
               <a:ext uri="{FF2B5EF4-FFF2-40B4-BE49-F238E27FC236}">
-                <a16:creationId xmlns:a16="http://schemas.microsoft.com/office/drawing/2014/main" id="{703E65B4-D9E9-1E92-A6EB-2ACFFEE0A370}"/>
+                <a16:creationId xmlns:a16="http://schemas.microsoft.com/office/drawing/2014/main" id="{92585E99-6944-A09A-E883-BA71174F6B0C}"/>
               </a:ext>
             </a:extLst>
           </p:cNvPr>
@@ -2715,7 +2715,7 @@
           <a:bodyPr/>
           <a:lstStyle/>
           <a:p>
-            <a:fld id="{1D111FE8-63FA-4582-A9F6-D0CACA958AD8}" type="slidenum">
+            <a:fld id="{7F30568A-6F23-4018-9169-A71C0BB80A58}" type="slidenum">
               <a:rPr lang="zh-CN" altLang="en-US" smtClean="0"/>
               <a:t>‹#›</a:t>
             </a:fld>
@@ -2726,7 +2726,7 @@
     </p:spTree>
     <p:extLst>
       <p:ext uri="{BB962C8B-B14F-4D97-AF65-F5344CB8AC3E}">
-        <p14:creationId xmlns:p14="http://schemas.microsoft.com/office/powerpoint/2010/main" val="1870640718"/>
+        <p14:creationId xmlns:p14="http://schemas.microsoft.com/office/powerpoint/2010/main" val="3243555859"/>
       </p:ext>
     </p:extLst>
   </p:cSld>
@@ -2763,7 +2763,7 @@
           <p:cNvPr id="2" name="标题占位符 1">
             <a:extLst>
               <a:ext uri="{FF2B5EF4-FFF2-40B4-BE49-F238E27FC236}">
-                <a16:creationId xmlns:a16="http://schemas.microsoft.com/office/drawing/2014/main" id="{BD3FFC62-57E6-898F-64E3-64F3AE859918}"/>
+                <a16:creationId xmlns:a16="http://schemas.microsoft.com/office/drawing/2014/main" id="{7682888B-7064-4D54-0059-F23CCA555A22}"/>
               </a:ext>
             </a:extLst>
           </p:cNvPr>
@@ -2801,7 +2801,7 @@
           <p:cNvPr id="3" name="文本占位符 2">
             <a:extLst>
               <a:ext uri="{FF2B5EF4-FFF2-40B4-BE49-F238E27FC236}">
-                <a16:creationId xmlns:a16="http://schemas.microsoft.com/office/drawing/2014/main" id="{211FB4F8-C896-2446-49D8-24D47733357B}"/>
+                <a16:creationId xmlns:a16="http://schemas.microsoft.com/office/drawing/2014/main" id="{F3460988-2019-AACC-A6DF-F958A2519FA3}"/>
               </a:ext>
             </a:extLst>
           </p:cNvPr>
@@ -2868,7 +2868,7 @@
           <p:cNvPr id="4" name="日期占位符 3">
             <a:extLst>
               <a:ext uri="{FF2B5EF4-FFF2-40B4-BE49-F238E27FC236}">
-                <a16:creationId xmlns:a16="http://schemas.microsoft.com/office/drawing/2014/main" id="{92A40D3E-DDE2-2D8F-1440-4B164CF0348E}"/>
+                <a16:creationId xmlns:a16="http://schemas.microsoft.com/office/drawing/2014/main" id="{3D6D6B62-ED41-FD15-E15A-ACE00BE519B3}"/>
               </a:ext>
             </a:extLst>
           </p:cNvPr>
@@ -2902,7 +2902,7 @@
             </a:lvl1pPr>
           </a:lstStyle>
           <a:p>
-            <a:fld id="{29D91FD3-CA84-4752-A845-41B06D6BD931}" type="datetimeFigureOut">
+            <a:fld id="{2FD312E3-CEBA-49BF-BFC4-52AF2A9DBA98}" type="datetimeFigureOut">
               <a:rPr lang="zh-CN" altLang="en-US" smtClean="0"/>
               <a:t>2024/3/10</a:t>
             </a:fld>
@@ -2915,7 +2915,7 @@
           <p:cNvPr id="5" name="页脚占位符 4">
             <a:extLst>
               <a:ext uri="{FF2B5EF4-FFF2-40B4-BE49-F238E27FC236}">
-                <a16:creationId xmlns:a16="http://schemas.microsoft.com/office/drawing/2014/main" id="{FB5EEFF4-B625-938D-3FC6-79DDCB78DB9B}"/>
+                <a16:creationId xmlns:a16="http://schemas.microsoft.com/office/drawing/2014/main" id="{809006DA-EF87-B675-F3DA-E2364705D454}"/>
               </a:ext>
             </a:extLst>
           </p:cNvPr>
@@ -2958,7 +2958,7 @@
           <p:cNvPr id="6" name="灯片编号占位符 5">
             <a:extLst>
               <a:ext uri="{FF2B5EF4-FFF2-40B4-BE49-F238E27FC236}">
-                <a16:creationId xmlns:a16="http://schemas.microsoft.com/office/drawing/2014/main" id="{AAA1C228-701B-01EC-3FB8-83735945A3AF}"/>
+                <a16:creationId xmlns:a16="http://schemas.microsoft.com/office/drawing/2014/main" id="{53CE8C91-3527-6B53-96FB-2F8AEB284111}"/>
               </a:ext>
             </a:extLst>
           </p:cNvPr>
@@ -2992,7 +2992,7 @@
             </a:lvl1pPr>
           </a:lstStyle>
           <a:p>
-            <a:fld id="{1D111FE8-63FA-4582-A9F6-D0CACA958AD8}" type="slidenum">
+            <a:fld id="{7F30568A-6F23-4018-9169-A71C0BB80A58}" type="slidenum">
               <a:rPr lang="zh-CN" altLang="en-US" smtClean="0"/>
               <a:t>‹#›</a:t>
             </a:fld>
@@ -3003,7 +3003,7 @@
     </p:spTree>
     <p:extLst>
       <p:ext uri="{BB962C8B-B14F-4D97-AF65-F5344CB8AC3E}">
-        <p14:creationId xmlns:p14="http://schemas.microsoft.com/office/powerpoint/2010/main" val="1241331282"/>
+        <p14:creationId xmlns:p14="http://schemas.microsoft.com/office/powerpoint/2010/main" val="3095591150"/>
       </p:ext>
     </p:extLst>
   </p:cSld>
@@ -3323,7 +3323,7 @@
       </p:grpSpPr>
       <p:pic>
         <p:nvPicPr>
-          <p:cNvPr id="446466" name="Picture 2" descr="435"/>
+          <p:cNvPr id="447490" name="Picture 2" descr="436"/>
           <p:cNvPicPr>
             <a:picLocks noChangeAspect="1" noChangeArrowheads="1"/>
           </p:cNvPicPr>
